--- a/slides/Stat313_09.pptx
+++ b/slides/Stat313_09.pptx
@@ -13,12 +13,12 @@
   <p:sldIdLst>
     <p:sldId id="259" r:id="rId2"/>
     <p:sldId id="299" r:id="rId3"/>
-    <p:sldId id="297" r:id="rId4"/>
-    <p:sldId id="296" r:id="rId5"/>
-    <p:sldId id="300" r:id="rId6"/>
-    <p:sldId id="302" r:id="rId7"/>
-    <p:sldId id="305" r:id="rId8"/>
-    <p:sldId id="295" r:id="rId9"/>
+    <p:sldId id="295" r:id="rId4"/>
+    <p:sldId id="297" r:id="rId5"/>
+    <p:sldId id="296" r:id="rId6"/>
+    <p:sldId id="300" r:id="rId7"/>
+    <p:sldId id="302" r:id="rId8"/>
+    <p:sldId id="305" r:id="rId9"/>
   </p:sldIdLst>
   <p:sldSz cx="12192000" cy="6858000"/>
   <p:notesSz cx="7010400" cy="9296400"/>
@@ -4911,6 +4911,407 @@
 </file>
 
 <file path=ppt/slides/slide3.xml><?xml version="1.0" encoding="utf-8"?>
+<p:sld xmlns:a="http://schemas.openxmlformats.org/drawingml/2006/main" xmlns:r="http://schemas.openxmlformats.org/officeDocument/2006/relationships" xmlns:p="http://schemas.openxmlformats.org/presentationml/2006/main">
+  <p:cSld>
+    <p:spTree>
+      <p:nvGrpSpPr>
+        <p:cNvPr id="1" name=""/>
+        <p:cNvGrpSpPr/>
+        <p:nvPr/>
+      </p:nvGrpSpPr>
+      <p:grpSpPr>
+        <a:xfrm>
+          <a:off x="0" y="0"/>
+          <a:ext cx="0" cy="0"/>
+          <a:chOff x="0" y="0"/>
+          <a:chExt cx="0" cy="0"/>
+        </a:xfrm>
+      </p:grpSpPr>
+      <p:sp>
+        <p:nvSpPr>
+          <p:cNvPr id="2" name="Title 1"/>
+          <p:cNvSpPr>
+            <a:spLocks noGrp="1"/>
+          </p:cNvSpPr>
+          <p:nvPr>
+            <p:ph type="title"/>
+          </p:nvPr>
+        </p:nvSpPr>
+        <p:spPr/>
+        <p:txBody>
+          <a:bodyPr/>
+          <a:lstStyle/>
+          <a:p>
+            <a:r>
+              <a:rPr lang="en-US" dirty="0"/>
+              <a:t>Model Goodness of Fit</a:t>
+            </a:r>
+          </a:p>
+        </p:txBody>
+      </p:sp>
+      <mc:AlternateContent xmlns:mc="http://schemas.openxmlformats.org/markup-compatibility/2006" xmlns:a14="http://schemas.microsoft.com/office/drawing/2010/main">
+        <mc:Choice Requires="a14">
+          <p:sp>
+            <p:nvSpPr>
+              <p:cNvPr id="3" name="Content Placeholder 2"/>
+              <p:cNvSpPr>
+                <a:spLocks noGrp="1"/>
+              </p:cNvSpPr>
+              <p:nvPr>
+                <p:ph idx="1"/>
+              </p:nvPr>
+            </p:nvSpPr>
+            <p:spPr/>
+            <p:txBody>
+              <a:bodyPr>
+                <a:normAutofit/>
+              </a:bodyPr>
+              <a:lstStyle/>
+              <a:p>
+                <a:pPr>
+                  <a:buFont typeface="Arial" panose="020B0604020202020204" pitchFamily="34" charset="0"/>
+                  <a:buChar char="•"/>
+                </a:pPr>
+                <a:r>
+                  <a:rPr lang="en-US" sz="2400" dirty="0"/>
+                  <a:t> If our model is the “true” model for the observed data</a:t>
+                </a:r>
+              </a:p>
+              <a:p>
+                <a:pPr marL="0" indent="0">
+                  <a:buNone/>
+                </a:pPr>
+                <a14:m>
+                  <m:oMathPara xmlns:m="http://schemas.openxmlformats.org/officeDocument/2006/math">
+                    <m:oMathParaPr>
+                      <m:jc m:val="centerGroup"/>
+                    </m:oMathParaPr>
+                    <m:oMath xmlns:m="http://schemas.openxmlformats.org/officeDocument/2006/math">
+                      <m:r>
+                        <a:rPr lang="en-US" sz="2400" b="0" i="1" smtClean="0">
+                          <a:latin typeface="Cambria Math" panose="02040503050406030204" pitchFamily="18" charset="0"/>
+                        </a:rPr>
+                        <m:t>𝑅𝑒𝑠𝑖𝑑𝑢𝑎𝑙</m:t>
+                      </m:r>
+                      <m:r>
+                        <a:rPr lang="en-US" sz="2400" b="0" i="1" smtClean="0">
+                          <a:latin typeface="Cambria Math" panose="02040503050406030204" pitchFamily="18" charset="0"/>
+                        </a:rPr>
+                        <m:t> </m:t>
+                      </m:r>
+                      <m:r>
+                        <a:rPr lang="en-US" sz="2400" b="0" i="1" smtClean="0">
+                          <a:latin typeface="Cambria Math" panose="02040503050406030204" pitchFamily="18" charset="0"/>
+                        </a:rPr>
+                        <m:t>𝐷𝑒𝑣𝑖𝑎𝑛𝑐𝑒</m:t>
+                      </m:r>
+                      <m:r>
+                        <a:rPr lang="en-US" sz="2400" b="0" i="1" smtClean="0">
+                          <a:latin typeface="Cambria Math" panose="02040503050406030204" pitchFamily="18" charset="0"/>
+                        </a:rPr>
+                        <m:t> ~ </m:t>
+                      </m:r>
+                      <m:sSup>
+                        <m:sSupPr>
+                          <m:ctrlPr>
+                            <a:rPr lang="en-US" sz="2400" b="0" i="1" smtClean="0">
+                              <a:latin typeface="Cambria Math" panose="02040503050406030204" pitchFamily="18" charset="0"/>
+                            </a:rPr>
+                          </m:ctrlPr>
+                        </m:sSupPr>
+                        <m:e>
+                          <m:r>
+                            <a:rPr lang="en-US" sz="2400" b="0" i="1" smtClean="0">
+                              <a:latin typeface="Cambria Math" panose="02040503050406030204" pitchFamily="18" charset="0"/>
+                            </a:rPr>
+                            <m:t>𝜒</m:t>
+                          </m:r>
+                        </m:e>
+                        <m:sup>
+                          <m:r>
+                            <a:rPr lang="en-US" sz="2400" b="0" i="1" smtClean="0">
+                              <a:latin typeface="Cambria Math" panose="02040503050406030204" pitchFamily="18" charset="0"/>
+                            </a:rPr>
+                            <m:t>2</m:t>
+                          </m:r>
+                        </m:sup>
+                      </m:sSup>
+                      <m:r>
+                        <a:rPr lang="en-US" sz="2400" b="0" i="1" smtClean="0">
+                          <a:latin typeface="Cambria Math" panose="02040503050406030204" pitchFamily="18" charset="0"/>
+                        </a:rPr>
+                        <m:t> </m:t>
+                      </m:r>
+                      <m:r>
+                        <a:rPr lang="en-US" sz="2400" b="0" i="1" smtClean="0">
+                          <a:latin typeface="Cambria Math" panose="02040503050406030204" pitchFamily="18" charset="0"/>
+                        </a:rPr>
+                        <m:t>𝑤𝑖𝑡h</m:t>
+                      </m:r>
+                      <m:r>
+                        <a:rPr lang="en-US" sz="2400" b="0" i="1" smtClean="0">
+                          <a:latin typeface="Cambria Math" panose="02040503050406030204" pitchFamily="18" charset="0"/>
+                        </a:rPr>
+                        <m:t> </m:t>
+                      </m:r>
+                      <m:r>
+                        <a:rPr lang="en-US" sz="2400" b="0" i="1" smtClean="0">
+                          <a:latin typeface="Cambria Math" panose="02040503050406030204" pitchFamily="18" charset="0"/>
+                        </a:rPr>
+                        <m:t>𝑑𝑓</m:t>
+                      </m:r>
+                      <m:r>
+                        <a:rPr lang="en-US" sz="2400" b="0" i="1" smtClean="0">
+                          <a:latin typeface="Cambria Math" panose="02040503050406030204" pitchFamily="18" charset="0"/>
+                        </a:rPr>
+                        <m:t>=</m:t>
+                      </m:r>
+                      <m:r>
+                        <a:rPr lang="en-US" sz="2400" b="0" i="1" smtClean="0">
+                          <a:latin typeface="Cambria Math" panose="02040503050406030204" pitchFamily="18" charset="0"/>
+                        </a:rPr>
+                        <m:t>𝑅𝑒𝑠𝑖𝑑𝑢𝑎𝑙</m:t>
+                      </m:r>
+                      <m:r>
+                        <a:rPr lang="en-US" sz="2400" b="0" i="1" smtClean="0">
+                          <a:latin typeface="Cambria Math" panose="02040503050406030204" pitchFamily="18" charset="0"/>
+                        </a:rPr>
+                        <m:t> </m:t>
+                      </m:r>
+                      <m:r>
+                        <a:rPr lang="en-US" sz="2400" b="0" i="1" smtClean="0">
+                          <a:latin typeface="Cambria Math" panose="02040503050406030204" pitchFamily="18" charset="0"/>
+                        </a:rPr>
+                        <m:t>𝑑𝑓</m:t>
+                      </m:r>
+                    </m:oMath>
+                  </m:oMathPara>
+                </a14:m>
+                <a:endParaRPr lang="en-US" sz="2400" dirty="0"/>
+              </a:p>
+              <a:p>
+                <a:pPr>
+                  <a:buFont typeface="Arial" panose="020B0604020202020204" pitchFamily="34" charset="0"/>
+                  <a:buChar char="•"/>
+                </a:pPr>
+                <a:r>
+                  <a:rPr lang="en-US" sz="2400" dirty="0"/>
+                  <a:t> Compute probability of observing a deviance at least this large, if model is true</a:t>
+                </a:r>
+              </a:p>
+              <a:p>
+                <a:pPr lvl="1">
+                  <a:buFont typeface="Arial" panose="020B0604020202020204" pitchFamily="34" charset="0"/>
+                  <a:buChar char="•"/>
+                </a:pPr>
+                <a:r>
+                  <a:rPr lang="en-US" sz="2200" dirty="0"/>
+                  <a:t>Compare to </a:t>
+                </a:r>
+                <a14:m>
+                  <m:oMath xmlns:m="http://schemas.openxmlformats.org/officeDocument/2006/math">
+                    <m:sSup>
+                      <m:sSupPr>
+                        <m:ctrlPr>
+                          <a:rPr lang="en-US" sz="2200" b="0" i="1" smtClean="0">
+                            <a:latin typeface="Cambria Math" panose="02040503050406030204" pitchFamily="18" charset="0"/>
+                          </a:rPr>
+                        </m:ctrlPr>
+                      </m:sSupPr>
+                      <m:e>
+                        <m:r>
+                          <a:rPr lang="en-US" sz="2200" b="0" i="1" smtClean="0">
+                            <a:latin typeface="Cambria Math" panose="02040503050406030204" pitchFamily="18" charset="0"/>
+                          </a:rPr>
+                          <m:t>𝜒</m:t>
+                        </m:r>
+                      </m:e>
+                      <m:sup>
+                        <m:r>
+                          <a:rPr lang="en-US" sz="2200" b="0" i="1" smtClean="0">
+                            <a:latin typeface="Cambria Math" panose="02040503050406030204" pitchFamily="18" charset="0"/>
+                          </a:rPr>
+                          <m:t>2</m:t>
+                        </m:r>
+                      </m:sup>
+                    </m:sSup>
+                  </m:oMath>
+                </a14:m>
+                <a:r>
+                  <a:rPr lang="en-US" sz="2200" dirty="0"/>
+                  <a:t> with </a:t>
+                </a:r>
+                <a14:m>
+                  <m:oMath xmlns:m="http://schemas.openxmlformats.org/officeDocument/2006/math">
+                    <m:r>
+                      <a:rPr lang="en-US" sz="2200" b="0" i="1" smtClean="0">
+                        <a:latin typeface="Cambria Math" panose="02040503050406030204" pitchFamily="18" charset="0"/>
+                      </a:rPr>
+                      <m:t>𝑑𝑓</m:t>
+                    </m:r>
+                    <m:r>
+                      <a:rPr lang="en-US" sz="2200" b="0" i="1" smtClean="0">
+                        <a:latin typeface="Cambria Math" panose="02040503050406030204" pitchFamily="18" charset="0"/>
+                      </a:rPr>
+                      <m:t>=</m:t>
+                    </m:r>
+                    <m:r>
+                      <a:rPr lang="en-US" sz="2200" b="0" i="1" smtClean="0">
+                        <a:latin typeface="Cambria Math" panose="02040503050406030204" pitchFamily="18" charset="0"/>
+                      </a:rPr>
+                      <m:t>𝑅𝑒𝑠𝑖𝑑𝑢𝑎𝑙</m:t>
+                    </m:r>
+                    <m:r>
+                      <a:rPr lang="en-US" sz="2200" b="0" i="1" smtClean="0">
+                        <a:latin typeface="Cambria Math" panose="02040503050406030204" pitchFamily="18" charset="0"/>
+                      </a:rPr>
+                      <m:t> </m:t>
+                    </m:r>
+                    <m:r>
+                      <a:rPr lang="en-US" sz="2200" b="0" i="1" smtClean="0">
+                        <a:latin typeface="Cambria Math" panose="02040503050406030204" pitchFamily="18" charset="0"/>
+                      </a:rPr>
+                      <m:t>𝑑𝑓</m:t>
+                    </m:r>
+                  </m:oMath>
+                </a14:m>
+                <a:endParaRPr lang="en-US" sz="2200" dirty="0"/>
+              </a:p>
+              <a:p>
+                <a:pPr lvl="2">
+                  <a:buFont typeface="Arial" panose="020B0604020202020204" pitchFamily="34" charset="0"/>
+                  <a:buChar char="•"/>
+                </a:pPr>
+                <a:r>
+                  <a:rPr lang="en-US" sz="1800" dirty="0"/>
+                  <a:t>Small “p-value” means there is significant evidence of “lack-of-fit”</a:t>
+                </a:r>
+              </a:p>
+              <a:p>
+                <a:pPr>
+                  <a:buFont typeface="Arial" panose="020B0604020202020204" pitchFamily="34" charset="0"/>
+                  <a:buChar char="•"/>
+                </a:pPr>
+                <a:r>
+                  <a:rPr lang="en-US" sz="2400" dirty="0"/>
+                  <a:t> Reasons for “lack-of-fit”</a:t>
+                </a:r>
+              </a:p>
+              <a:p>
+                <a:pPr lvl="1">
+                  <a:buFont typeface="Arial" panose="020B0604020202020204" pitchFamily="34" charset="0"/>
+                  <a:buChar char="•"/>
+                </a:pPr>
+                <a:r>
+                  <a:rPr lang="en-US" sz="2200" dirty="0"/>
+                  <a:t>Missing covariates</a:t>
+                </a:r>
+              </a:p>
+              <a:p>
+                <a:pPr lvl="1">
+                  <a:buFont typeface="Arial" panose="020B0604020202020204" pitchFamily="34" charset="0"/>
+                  <a:buChar char="•"/>
+                </a:pPr>
+                <a:r>
+                  <a:rPr lang="en-US" sz="2200" dirty="0"/>
+                  <a:t>Not enough data</a:t>
+                </a:r>
+              </a:p>
+              <a:p>
+                <a:pPr lvl="1">
+                  <a:buFont typeface="Arial" panose="020B0604020202020204" pitchFamily="34" charset="0"/>
+                  <a:buChar char="•"/>
+                </a:pPr>
+                <a:r>
+                  <a:rPr lang="en-US" sz="2200" dirty="0"/>
+                  <a:t>Unusual observations</a:t>
+                </a:r>
+              </a:p>
+              <a:p>
+                <a:pPr lvl="1">
+                  <a:buFont typeface="Arial" panose="020B0604020202020204" pitchFamily="34" charset="0"/>
+                  <a:buChar char="•"/>
+                </a:pPr>
+                <a:r>
+                  <a:rPr lang="en-US" sz="2200" dirty="0"/>
+                  <a:t>More (or less) variation than expected</a:t>
+                </a:r>
+              </a:p>
+            </p:txBody>
+          </p:sp>
+        </mc:Choice>
+        <mc:Fallback xmlns="">
+          <p:sp>
+            <p:nvSpPr>
+              <p:cNvPr id="3" name="Content Placeholder 2"/>
+              <p:cNvSpPr>
+                <a:spLocks noGrp="1" noRot="1" noChangeAspect="1" noMove="1" noResize="1" noEditPoints="1" noAdjustHandles="1" noChangeArrowheads="1" noChangeShapeType="1" noTextEdit="1"/>
+              </p:cNvSpPr>
+              <p:nvPr>
+                <p:ph idx="1"/>
+              </p:nvPr>
+            </p:nvSpPr>
+            <p:spPr>
+              <a:blipFill>
+                <a:blip r:embed="rId2"/>
+                <a:stretch>
+                  <a:fillRect l="-1697" t="-2121" b="-1818"/>
+                </a:stretch>
+              </a:blipFill>
+            </p:spPr>
+            <p:txBody>
+              <a:bodyPr/>
+              <a:lstStyle/>
+              <a:p>
+                <a:r>
+                  <a:rPr lang="en-US">
+                    <a:noFill/>
+                  </a:rPr>
+                  <a:t> </a:t>
+                </a:r>
+              </a:p>
+            </p:txBody>
+          </p:sp>
+        </mc:Fallback>
+      </mc:AlternateContent>
+      <p:sp>
+        <p:nvSpPr>
+          <p:cNvPr id="4" name="Slide Number Placeholder 3"/>
+          <p:cNvSpPr>
+            <a:spLocks noGrp="1"/>
+          </p:cNvSpPr>
+          <p:nvPr>
+            <p:ph type="sldNum" sz="quarter" idx="12"/>
+          </p:nvPr>
+        </p:nvSpPr>
+        <p:spPr/>
+        <p:txBody>
+          <a:bodyPr/>
+          <a:lstStyle/>
+          <a:p>
+            <a:fld id="{8A7A6979-0714-4377-B894-6BE4C2D6E202}" type="slidenum">
+              <a:rPr lang="en-US" smtClean="0"/>
+              <a:pPr/>
+              <a:t>3</a:t>
+            </a:fld>
+            <a:endParaRPr lang="en-US" dirty="0"/>
+          </a:p>
+        </p:txBody>
+      </p:sp>
+    </p:spTree>
+    <p:extLst>
+      <p:ext uri="{BB962C8B-B14F-4D97-AF65-F5344CB8AC3E}">
+        <p14:creationId xmlns:p14="http://schemas.microsoft.com/office/powerpoint/2010/main" val="1296801343"/>
+      </p:ext>
+    </p:extLst>
+  </p:cSld>
+  <p:clrMapOvr>
+    <a:masterClrMapping/>
+  </p:clrMapOvr>
+</p:sld>
+</file>
+
+<file path=ppt/slides/slide4.xml><?xml version="1.0" encoding="utf-8"?>
 <p:sld xmlns:a="http://schemas.openxmlformats.org/drawingml/2006/main" xmlns:r="http://schemas.openxmlformats.org/officeDocument/2006/relationships" xmlns:p="http://schemas.openxmlformats.org/presentationml/2006/main">
   <p:cSld>
     <p:spTree>
@@ -5561,7 +5962,7 @@
             <a:fld id="{8A7A6979-0714-4377-B894-6BE4C2D6E202}" type="slidenum">
               <a:rPr lang="en-US" smtClean="0"/>
               <a:pPr/>
-              <a:t>3</a:t>
+              <a:t>4</a:t>
             </a:fld>
             <a:endParaRPr lang="en-US" dirty="0"/>
           </a:p>
@@ -5580,7 +5981,7 @@
 </p:sld>
 </file>
 
-<file path=ppt/slides/slide4.xml><?xml version="1.0" encoding="utf-8"?>
+<file path=ppt/slides/slide5.xml><?xml version="1.0" encoding="utf-8"?>
 <p:sld xmlns:a="http://schemas.openxmlformats.org/drawingml/2006/main" xmlns:r="http://schemas.openxmlformats.org/officeDocument/2006/relationships" xmlns:p="http://schemas.openxmlformats.org/presentationml/2006/main">
   <p:cSld>
     <p:spTree>
@@ -5619,8 +6020,8 @@
           </a:p>
         </p:txBody>
       </p:sp>
-      <mc:AlternateContent xmlns:mc="http://schemas.openxmlformats.org/markup-compatibility/2006">
-        <mc:Choice xmlns:a14="http://schemas.microsoft.com/office/drawing/2010/main" Requires="a14">
+      <mc:AlternateContent xmlns:mc="http://schemas.openxmlformats.org/markup-compatibility/2006" xmlns:a14="http://schemas.microsoft.com/office/drawing/2010/main">
+        <mc:Choice Requires="a14">
           <p:sp>
             <p:nvSpPr>
               <p:cNvPr id="3" name="Content Placeholder 2"/>
@@ -6239,7 +6640,7 @@
             </p:txBody>
           </p:sp>
         </mc:Choice>
-        <mc:Fallback>
+        <mc:Fallback xmlns="">
           <p:sp>
             <p:nvSpPr>
               <p:cNvPr id="3" name="Content Placeholder 2"/>
@@ -6291,7 +6692,7 @@
             <a:fld id="{8A7A6979-0714-4377-B894-6BE4C2D6E202}" type="slidenum">
               <a:rPr lang="en-US" smtClean="0"/>
               <a:pPr/>
-              <a:t>4</a:t>
+              <a:t>5</a:t>
             </a:fld>
             <a:endParaRPr lang="en-US" dirty="0"/>
           </a:p>
@@ -6310,7 +6711,7 @@
 </p:sld>
 </file>
 
-<file path=ppt/slides/slide5.xml><?xml version="1.0" encoding="utf-8"?>
+<file path=ppt/slides/slide6.xml><?xml version="1.0" encoding="utf-8"?>
 <p:sld xmlns:a="http://schemas.openxmlformats.org/drawingml/2006/main" xmlns:r="http://schemas.openxmlformats.org/officeDocument/2006/relationships" xmlns:p="http://schemas.openxmlformats.org/presentationml/2006/main">
   <p:cSld>
     <p:spTree>
@@ -6353,8 +6754,8 @@
           </a:p>
         </p:txBody>
       </p:sp>
-      <mc:AlternateContent xmlns:mc="http://schemas.openxmlformats.org/markup-compatibility/2006">
-        <mc:Choice xmlns:a14="http://schemas.microsoft.com/office/drawing/2010/main" Requires="a14">
+      <mc:AlternateContent xmlns:mc="http://schemas.openxmlformats.org/markup-compatibility/2006" xmlns:a14="http://schemas.microsoft.com/office/drawing/2010/main">
+        <mc:Choice Requires="a14">
           <p:sp>
             <p:nvSpPr>
               <p:cNvPr id="3" name="Content Placeholder 2"/>
@@ -6977,7 +7378,7 @@
             </p:txBody>
           </p:sp>
         </mc:Choice>
-        <mc:Fallback>
+        <mc:Fallback xmlns="">
           <p:sp>
             <p:nvSpPr>
               <p:cNvPr id="3" name="Content Placeholder 2"/>
@@ -7029,7 +7430,7 @@
             <a:fld id="{8A7A6979-0714-4377-B894-6BE4C2D6E202}" type="slidenum">
               <a:rPr lang="en-US" smtClean="0"/>
               <a:pPr/>
-              <a:t>5</a:t>
+              <a:t>6</a:t>
             </a:fld>
             <a:endParaRPr lang="en-US" dirty="0"/>
           </a:p>
@@ -7048,7 +7449,7 @@
 </p:sld>
 </file>
 
-<file path=ppt/slides/slide6.xml><?xml version="1.0" encoding="utf-8"?>
+<file path=ppt/slides/slide7.xml><?xml version="1.0" encoding="utf-8"?>
 <p:sld xmlns:a="http://schemas.openxmlformats.org/drawingml/2006/main" xmlns:r="http://schemas.openxmlformats.org/officeDocument/2006/relationships" xmlns:p="http://schemas.openxmlformats.org/presentationml/2006/main">
   <p:cSld>
     <p:spTree>
@@ -7242,7 +7643,7 @@
             <a:fld id="{8A7A6979-0714-4377-B894-6BE4C2D6E202}" type="slidenum">
               <a:rPr lang="en-US" smtClean="0"/>
               <a:pPr/>
-              <a:t>6</a:t>
+              <a:t>7</a:t>
             </a:fld>
             <a:endParaRPr lang="en-US" dirty="0"/>
           </a:p>
@@ -7261,7 +7662,7 @@
 </p:sld>
 </file>
 
-<file path=ppt/slides/slide7.xml><?xml version="1.0" encoding="utf-8"?>
+<file path=ppt/slides/slide8.xml><?xml version="1.0" encoding="utf-8"?>
 <p:sld xmlns:a="http://schemas.openxmlformats.org/drawingml/2006/main" xmlns:r="http://schemas.openxmlformats.org/officeDocument/2006/relationships" xmlns:p="http://schemas.openxmlformats.org/presentationml/2006/main">
   <p:cSld>
     <p:spTree>
@@ -7341,7 +7742,7 @@
             <a:fld id="{8A7A6979-0714-4377-B894-6BE4C2D6E202}" type="slidenum">
               <a:rPr lang="en-US" smtClean="0"/>
               <a:pPr/>
-              <a:t>7</a:t>
+              <a:t>8</a:t>
             </a:fld>
             <a:endParaRPr lang="en-US" dirty="0"/>
           </a:p>
@@ -7505,407 +7906,6 @@
       <p:bldP spid="3" grpId="0" animBg="1"/>
     </p:bldLst>
   </p:timing>
-</p:sld>
-</file>
-
-<file path=ppt/slides/slide8.xml><?xml version="1.0" encoding="utf-8"?>
-<p:sld xmlns:a="http://schemas.openxmlformats.org/drawingml/2006/main" xmlns:r="http://schemas.openxmlformats.org/officeDocument/2006/relationships" xmlns:p="http://schemas.openxmlformats.org/presentationml/2006/main">
-  <p:cSld>
-    <p:spTree>
-      <p:nvGrpSpPr>
-        <p:cNvPr id="1" name=""/>
-        <p:cNvGrpSpPr/>
-        <p:nvPr/>
-      </p:nvGrpSpPr>
-      <p:grpSpPr>
-        <a:xfrm>
-          <a:off x="0" y="0"/>
-          <a:ext cx="0" cy="0"/>
-          <a:chOff x="0" y="0"/>
-          <a:chExt cx="0" cy="0"/>
-        </a:xfrm>
-      </p:grpSpPr>
-      <p:sp>
-        <p:nvSpPr>
-          <p:cNvPr id="2" name="Title 1"/>
-          <p:cNvSpPr>
-            <a:spLocks noGrp="1"/>
-          </p:cNvSpPr>
-          <p:nvPr>
-            <p:ph type="title"/>
-          </p:nvPr>
-        </p:nvSpPr>
-        <p:spPr/>
-        <p:txBody>
-          <a:bodyPr/>
-          <a:lstStyle/>
-          <a:p>
-            <a:r>
-              <a:rPr lang="en-US" dirty="0"/>
-              <a:t>Model Goodness of Fit</a:t>
-            </a:r>
-          </a:p>
-        </p:txBody>
-      </p:sp>
-      <mc:AlternateContent xmlns:mc="http://schemas.openxmlformats.org/markup-compatibility/2006" xmlns:a14="http://schemas.microsoft.com/office/drawing/2010/main">
-        <mc:Choice Requires="a14">
-          <p:sp>
-            <p:nvSpPr>
-              <p:cNvPr id="3" name="Content Placeholder 2"/>
-              <p:cNvSpPr>
-                <a:spLocks noGrp="1"/>
-              </p:cNvSpPr>
-              <p:nvPr>
-                <p:ph idx="1"/>
-              </p:nvPr>
-            </p:nvSpPr>
-            <p:spPr/>
-            <p:txBody>
-              <a:bodyPr>
-                <a:normAutofit/>
-              </a:bodyPr>
-              <a:lstStyle/>
-              <a:p>
-                <a:pPr>
-                  <a:buFont typeface="Arial" panose="020B0604020202020204" pitchFamily="34" charset="0"/>
-                  <a:buChar char="•"/>
-                </a:pPr>
-                <a:r>
-                  <a:rPr lang="en-US" sz="2400" dirty="0"/>
-                  <a:t> If our model is the “true” model for the observed data</a:t>
-                </a:r>
-              </a:p>
-              <a:p>
-                <a:pPr marL="0" indent="0">
-                  <a:buNone/>
-                </a:pPr>
-                <a14:m>
-                  <m:oMathPara xmlns:m="http://schemas.openxmlformats.org/officeDocument/2006/math">
-                    <m:oMathParaPr>
-                      <m:jc m:val="centerGroup"/>
-                    </m:oMathParaPr>
-                    <m:oMath xmlns:m="http://schemas.openxmlformats.org/officeDocument/2006/math">
-                      <m:r>
-                        <a:rPr lang="en-US" sz="2400" b="0" i="1" smtClean="0">
-                          <a:latin typeface="Cambria Math" panose="02040503050406030204" pitchFamily="18" charset="0"/>
-                        </a:rPr>
-                        <m:t>𝑅𝑒𝑠𝑖𝑑𝑢𝑎𝑙</m:t>
-                      </m:r>
-                      <m:r>
-                        <a:rPr lang="en-US" sz="2400" b="0" i="1" smtClean="0">
-                          <a:latin typeface="Cambria Math" panose="02040503050406030204" pitchFamily="18" charset="0"/>
-                        </a:rPr>
-                        <m:t> </m:t>
-                      </m:r>
-                      <m:r>
-                        <a:rPr lang="en-US" sz="2400" b="0" i="1" smtClean="0">
-                          <a:latin typeface="Cambria Math" panose="02040503050406030204" pitchFamily="18" charset="0"/>
-                        </a:rPr>
-                        <m:t>𝐷𝑒𝑣𝑖𝑎𝑛𝑐𝑒</m:t>
-                      </m:r>
-                      <m:r>
-                        <a:rPr lang="en-US" sz="2400" b="0" i="1" smtClean="0">
-                          <a:latin typeface="Cambria Math" panose="02040503050406030204" pitchFamily="18" charset="0"/>
-                        </a:rPr>
-                        <m:t> ~ </m:t>
-                      </m:r>
-                      <m:sSup>
-                        <m:sSupPr>
-                          <m:ctrlPr>
-                            <a:rPr lang="en-US" sz="2400" b="0" i="1" smtClean="0">
-                              <a:latin typeface="Cambria Math" panose="02040503050406030204" pitchFamily="18" charset="0"/>
-                            </a:rPr>
-                          </m:ctrlPr>
-                        </m:sSupPr>
-                        <m:e>
-                          <m:r>
-                            <a:rPr lang="en-US" sz="2400" b="0" i="1" smtClean="0">
-                              <a:latin typeface="Cambria Math" panose="02040503050406030204" pitchFamily="18" charset="0"/>
-                            </a:rPr>
-                            <m:t>𝜒</m:t>
-                          </m:r>
-                        </m:e>
-                        <m:sup>
-                          <m:r>
-                            <a:rPr lang="en-US" sz="2400" b="0" i="1" smtClean="0">
-                              <a:latin typeface="Cambria Math" panose="02040503050406030204" pitchFamily="18" charset="0"/>
-                            </a:rPr>
-                            <m:t>2</m:t>
-                          </m:r>
-                        </m:sup>
-                      </m:sSup>
-                      <m:r>
-                        <a:rPr lang="en-US" sz="2400" b="0" i="1" smtClean="0">
-                          <a:latin typeface="Cambria Math" panose="02040503050406030204" pitchFamily="18" charset="0"/>
-                        </a:rPr>
-                        <m:t> </m:t>
-                      </m:r>
-                      <m:r>
-                        <a:rPr lang="en-US" sz="2400" b="0" i="1" smtClean="0">
-                          <a:latin typeface="Cambria Math" panose="02040503050406030204" pitchFamily="18" charset="0"/>
-                        </a:rPr>
-                        <m:t>𝑤𝑖𝑡h</m:t>
-                      </m:r>
-                      <m:r>
-                        <a:rPr lang="en-US" sz="2400" b="0" i="1" smtClean="0">
-                          <a:latin typeface="Cambria Math" panose="02040503050406030204" pitchFamily="18" charset="0"/>
-                        </a:rPr>
-                        <m:t> </m:t>
-                      </m:r>
-                      <m:r>
-                        <a:rPr lang="en-US" sz="2400" b="0" i="1" smtClean="0">
-                          <a:latin typeface="Cambria Math" panose="02040503050406030204" pitchFamily="18" charset="0"/>
-                        </a:rPr>
-                        <m:t>𝑑𝑓</m:t>
-                      </m:r>
-                      <m:r>
-                        <a:rPr lang="en-US" sz="2400" b="0" i="1" smtClean="0">
-                          <a:latin typeface="Cambria Math" panose="02040503050406030204" pitchFamily="18" charset="0"/>
-                        </a:rPr>
-                        <m:t>=</m:t>
-                      </m:r>
-                      <m:r>
-                        <a:rPr lang="en-US" sz="2400" b="0" i="1" smtClean="0">
-                          <a:latin typeface="Cambria Math" panose="02040503050406030204" pitchFamily="18" charset="0"/>
-                        </a:rPr>
-                        <m:t>𝑅𝑒𝑠𝑖𝑑𝑢𝑎𝑙</m:t>
-                      </m:r>
-                      <m:r>
-                        <a:rPr lang="en-US" sz="2400" b="0" i="1" smtClean="0">
-                          <a:latin typeface="Cambria Math" panose="02040503050406030204" pitchFamily="18" charset="0"/>
-                        </a:rPr>
-                        <m:t> </m:t>
-                      </m:r>
-                      <m:r>
-                        <a:rPr lang="en-US" sz="2400" b="0" i="1" smtClean="0">
-                          <a:latin typeface="Cambria Math" panose="02040503050406030204" pitchFamily="18" charset="0"/>
-                        </a:rPr>
-                        <m:t>𝑑𝑓</m:t>
-                      </m:r>
-                    </m:oMath>
-                  </m:oMathPara>
-                </a14:m>
-                <a:endParaRPr lang="en-US" sz="2400" dirty="0"/>
-              </a:p>
-              <a:p>
-                <a:pPr>
-                  <a:buFont typeface="Arial" panose="020B0604020202020204" pitchFamily="34" charset="0"/>
-                  <a:buChar char="•"/>
-                </a:pPr>
-                <a:r>
-                  <a:rPr lang="en-US" sz="2400" dirty="0"/>
-                  <a:t> Compute probability of observing a deviance at least this large, if model is true</a:t>
-                </a:r>
-              </a:p>
-              <a:p>
-                <a:pPr lvl="1">
-                  <a:buFont typeface="Arial" panose="020B0604020202020204" pitchFamily="34" charset="0"/>
-                  <a:buChar char="•"/>
-                </a:pPr>
-                <a:r>
-                  <a:rPr lang="en-US" sz="2200" dirty="0"/>
-                  <a:t>Compare to </a:t>
-                </a:r>
-                <a14:m>
-                  <m:oMath xmlns:m="http://schemas.openxmlformats.org/officeDocument/2006/math">
-                    <m:sSup>
-                      <m:sSupPr>
-                        <m:ctrlPr>
-                          <a:rPr lang="en-US" sz="2200" b="0" i="1" smtClean="0">
-                            <a:latin typeface="Cambria Math" panose="02040503050406030204" pitchFamily="18" charset="0"/>
-                          </a:rPr>
-                        </m:ctrlPr>
-                      </m:sSupPr>
-                      <m:e>
-                        <m:r>
-                          <a:rPr lang="en-US" sz="2200" b="0" i="1" smtClean="0">
-                            <a:latin typeface="Cambria Math" panose="02040503050406030204" pitchFamily="18" charset="0"/>
-                          </a:rPr>
-                          <m:t>𝜒</m:t>
-                        </m:r>
-                      </m:e>
-                      <m:sup>
-                        <m:r>
-                          <a:rPr lang="en-US" sz="2200" b="0" i="1" smtClean="0">
-                            <a:latin typeface="Cambria Math" panose="02040503050406030204" pitchFamily="18" charset="0"/>
-                          </a:rPr>
-                          <m:t>2</m:t>
-                        </m:r>
-                      </m:sup>
-                    </m:sSup>
-                  </m:oMath>
-                </a14:m>
-                <a:r>
-                  <a:rPr lang="en-US" sz="2200" dirty="0"/>
-                  <a:t> with </a:t>
-                </a:r>
-                <a14:m>
-                  <m:oMath xmlns:m="http://schemas.openxmlformats.org/officeDocument/2006/math">
-                    <m:r>
-                      <a:rPr lang="en-US" sz="2200" b="0" i="1" smtClean="0">
-                        <a:latin typeface="Cambria Math" panose="02040503050406030204" pitchFamily="18" charset="0"/>
-                      </a:rPr>
-                      <m:t>𝑑𝑓</m:t>
-                    </m:r>
-                    <m:r>
-                      <a:rPr lang="en-US" sz="2200" b="0" i="1" smtClean="0">
-                        <a:latin typeface="Cambria Math" panose="02040503050406030204" pitchFamily="18" charset="0"/>
-                      </a:rPr>
-                      <m:t>=</m:t>
-                    </m:r>
-                    <m:r>
-                      <a:rPr lang="en-US" sz="2200" b="0" i="1" smtClean="0">
-                        <a:latin typeface="Cambria Math" panose="02040503050406030204" pitchFamily="18" charset="0"/>
-                      </a:rPr>
-                      <m:t>𝑅𝑒𝑠𝑖𝑑𝑢𝑎𝑙</m:t>
-                    </m:r>
-                    <m:r>
-                      <a:rPr lang="en-US" sz="2200" b="0" i="1" smtClean="0">
-                        <a:latin typeface="Cambria Math" panose="02040503050406030204" pitchFamily="18" charset="0"/>
-                      </a:rPr>
-                      <m:t> </m:t>
-                    </m:r>
-                    <m:r>
-                      <a:rPr lang="en-US" sz="2200" b="0" i="1" smtClean="0">
-                        <a:latin typeface="Cambria Math" panose="02040503050406030204" pitchFamily="18" charset="0"/>
-                      </a:rPr>
-                      <m:t>𝑑𝑓</m:t>
-                    </m:r>
-                  </m:oMath>
-                </a14:m>
-                <a:endParaRPr lang="en-US" sz="2200" dirty="0"/>
-              </a:p>
-              <a:p>
-                <a:pPr lvl="2">
-                  <a:buFont typeface="Arial" panose="020B0604020202020204" pitchFamily="34" charset="0"/>
-                  <a:buChar char="•"/>
-                </a:pPr>
-                <a:r>
-                  <a:rPr lang="en-US" sz="1800" dirty="0"/>
-                  <a:t>Small “p-value” means there is significant evidence of “lack-of-fit”</a:t>
-                </a:r>
-              </a:p>
-              <a:p>
-                <a:pPr>
-                  <a:buFont typeface="Arial" panose="020B0604020202020204" pitchFamily="34" charset="0"/>
-                  <a:buChar char="•"/>
-                </a:pPr>
-                <a:r>
-                  <a:rPr lang="en-US" sz="2400" dirty="0"/>
-                  <a:t> Reasons for “lack-of-fit”</a:t>
-                </a:r>
-              </a:p>
-              <a:p>
-                <a:pPr lvl="1">
-                  <a:buFont typeface="Arial" panose="020B0604020202020204" pitchFamily="34" charset="0"/>
-                  <a:buChar char="•"/>
-                </a:pPr>
-                <a:r>
-                  <a:rPr lang="en-US" sz="2200" dirty="0"/>
-                  <a:t>Missing covariates</a:t>
-                </a:r>
-              </a:p>
-              <a:p>
-                <a:pPr lvl="1">
-                  <a:buFont typeface="Arial" panose="020B0604020202020204" pitchFamily="34" charset="0"/>
-                  <a:buChar char="•"/>
-                </a:pPr>
-                <a:r>
-                  <a:rPr lang="en-US" sz="2200" dirty="0"/>
-                  <a:t>Not enough data</a:t>
-                </a:r>
-              </a:p>
-              <a:p>
-                <a:pPr lvl="1">
-                  <a:buFont typeface="Arial" panose="020B0604020202020204" pitchFamily="34" charset="0"/>
-                  <a:buChar char="•"/>
-                </a:pPr>
-                <a:r>
-                  <a:rPr lang="en-US" sz="2200" dirty="0"/>
-                  <a:t>Unusual observations</a:t>
-                </a:r>
-              </a:p>
-              <a:p>
-                <a:pPr lvl="1">
-                  <a:buFont typeface="Arial" panose="020B0604020202020204" pitchFamily="34" charset="0"/>
-                  <a:buChar char="•"/>
-                </a:pPr>
-                <a:r>
-                  <a:rPr lang="en-US" sz="2200" dirty="0"/>
-                  <a:t>More (or less) variation than expected</a:t>
-                </a:r>
-              </a:p>
-            </p:txBody>
-          </p:sp>
-        </mc:Choice>
-        <mc:Fallback xmlns="">
-          <p:sp>
-            <p:nvSpPr>
-              <p:cNvPr id="3" name="Content Placeholder 2"/>
-              <p:cNvSpPr>
-                <a:spLocks noGrp="1" noRot="1" noChangeAspect="1" noMove="1" noResize="1" noEditPoints="1" noAdjustHandles="1" noChangeArrowheads="1" noChangeShapeType="1" noTextEdit="1"/>
-              </p:cNvSpPr>
-              <p:nvPr>
-                <p:ph idx="1"/>
-              </p:nvPr>
-            </p:nvSpPr>
-            <p:spPr>
-              <a:blipFill>
-                <a:blip r:embed="rId2"/>
-                <a:stretch>
-                  <a:fillRect l="-1697" t="-2121" b="-1818"/>
-                </a:stretch>
-              </a:blipFill>
-            </p:spPr>
-            <p:txBody>
-              <a:bodyPr/>
-              <a:lstStyle/>
-              <a:p>
-                <a:r>
-                  <a:rPr lang="en-US">
-                    <a:noFill/>
-                  </a:rPr>
-                  <a:t> </a:t>
-                </a:r>
-              </a:p>
-            </p:txBody>
-          </p:sp>
-        </mc:Fallback>
-      </mc:AlternateContent>
-      <p:sp>
-        <p:nvSpPr>
-          <p:cNvPr id="4" name="Slide Number Placeholder 3"/>
-          <p:cNvSpPr>
-            <a:spLocks noGrp="1"/>
-          </p:cNvSpPr>
-          <p:nvPr>
-            <p:ph type="sldNum" sz="quarter" idx="12"/>
-          </p:nvPr>
-        </p:nvSpPr>
-        <p:spPr/>
-        <p:txBody>
-          <a:bodyPr/>
-          <a:lstStyle/>
-          <a:p>
-            <a:fld id="{8A7A6979-0714-4377-B894-6BE4C2D6E202}" type="slidenum">
-              <a:rPr lang="en-US" smtClean="0"/>
-              <a:pPr/>
-              <a:t>8</a:t>
-            </a:fld>
-            <a:endParaRPr lang="en-US" dirty="0"/>
-          </a:p>
-        </p:txBody>
-      </p:sp>
-    </p:spTree>
-    <p:extLst>
-      <p:ext uri="{BB962C8B-B14F-4D97-AF65-F5344CB8AC3E}">
-        <p14:creationId xmlns:p14="http://schemas.microsoft.com/office/powerpoint/2010/main" val="1296801343"/>
-      </p:ext>
-    </p:extLst>
-  </p:cSld>
-  <p:clrMapOvr>
-    <a:masterClrMapping/>
-  </p:clrMapOvr>
 </p:sld>
 </file>
 
